--- a/123456.pptx
+++ b/123456.pptx
@@ -123,6 +123,12 @@
     </a:lvl9pPr>
   </p:defaultTextStyle>
 </p:presentation>
+</file>
+
+<file path=ppt/commentAuthors.xml><?xml version="1.0" encoding="utf-8"?>
+<p:cmAuthorLst xmlns:a="http://schemas.openxmlformats.org/drawingml/2006/main" xmlns:r="http://schemas.openxmlformats.org/officeDocument/2006/relationships" xmlns:p="http://schemas.openxmlformats.org/presentationml/2006/main">
+  <p:cmAuthor id="1" name="33" initials="3" lastIdx="1" clrIdx="0"/>
+</p:cmAuthorLst>
 </file>
 
 <file path=ppt/handoutMasters/handoutMaster1.xml><?xml version="1.0" encoding="utf-8"?>
@@ -9624,7 +9630,11 @@
               <a:rPr lang="zh-CN" altLang="en-US" dirty="0" smtClean="0"/>
               <a:t>汇报人：</a:t>
             </a:r>
-            <a:endParaRPr lang="zh-CN" altLang="en-US" dirty="0"/>
+            <a:r>
+              <a:rPr lang="zh-CN" altLang="en-US" dirty="0" smtClean="0"/>
+              <a:t>周迪</a:t>
+            </a:r>
+            <a:endParaRPr lang="zh-CN" altLang="en-US" dirty="0" smtClean="0"/>
           </a:p>
         </p:txBody>
       </p:sp>
@@ -9682,7 +9692,7 @@
         <p:spPr>
           <a:xfrm>
             <a:off x="1105535" y="1371600"/>
-            <a:ext cx="9608820" cy="4523105"/>
+            <a:ext cx="9608820" cy="8678545"/>
           </a:xfrm>
           <a:prstGeom prst="rect">
             <a:avLst/>
@@ -9701,6 +9711,92 @@
             <a:endParaRPr lang="zh-CN" altLang="en-US" b="1"/>
           </a:p>
           <a:p>
+            <a:r>
+              <a:rPr lang="zh-CN" altLang="en-US"/>
+              <a:t>转眼间，三个月的实习期就要过去了，在组长的精心指导和同事们的照顾中，我成长了许多。</a:t>
+            </a:r>
+            <a:endParaRPr lang="zh-CN" altLang="en-US"/>
+          </a:p>
+          <a:p>
+            <a:r>
+              <a:rPr lang="zh-CN" altLang="en-US"/>
+              <a:t>在这些日子里，我都细心做好点点滴滴的事，为自己的将来打好基础。结合三个月的工作经历，觉得自己在一些方面的工作上，积极性还有待提高。就拿上线前的几次演练来说，有一些问题，已经知道问题出在哪，没有去跟进，只会自顾自的看着自己的服务，没有良好的责任心和凝聚力。这点上要给自己敲醒警钟，结合现实和理想之间的差距异同修正自己的不足。给自己定下几条原则或者说实践的</a:t>
+            </a:r>
+            <a:r>
+              <a:rPr lang="zh-CN" altLang="en-US"/>
+              <a:t>方向：</a:t>
+            </a:r>
+            <a:endParaRPr lang="zh-CN" altLang="en-US"/>
+          </a:p>
+          <a:p>
+            <a:r>
+              <a:rPr lang="en-US" altLang="zh-CN"/>
+              <a:t>	1.</a:t>
+            </a:r>
+            <a:r>
+              <a:rPr lang="zh-CN" altLang="en-US"/>
+              <a:t>主动学习、踏实肯干、夯实基础（相关行业的理论知识、熟悉和把握行业动态）扮演好团队中的</a:t>
+            </a:r>
+            <a:r>
+              <a:rPr lang="zh-CN" altLang="en-US"/>
+              <a:t>角色。</a:t>
+            </a:r>
+            <a:endParaRPr lang="zh-CN" altLang="en-US"/>
+          </a:p>
+          <a:p>
+            <a:r>
+              <a:rPr lang="en-US" altLang="zh-CN"/>
+              <a:t>	2.</a:t>
+            </a:r>
+            <a:r>
+              <a:rPr lang="zh-CN" altLang="en-US"/>
+              <a:t>有方向、有目的的改良自己性格上的缺陷（变内向为外向、开朗、活跃、沉稳）相信这样能为工作添色不少，也可以为自己的人生多填充一份</a:t>
+            </a:r>
+            <a:r>
+              <a:rPr lang="zh-CN" altLang="en-US"/>
+              <a:t>精彩。</a:t>
+            </a:r>
+            <a:endParaRPr lang="zh-CN" altLang="en-US"/>
+          </a:p>
+          <a:p>
+            <a:r>
+              <a:rPr lang="en-US" altLang="zh-CN"/>
+              <a:t>	3.</a:t>
+            </a:r>
+            <a:r>
+              <a:rPr lang="zh-CN" altLang="en-US"/>
+              <a:t>结合自己在工作上的得与失、不足与优势，自己还应在工作中不断熟悉公司业务上的知识（如何在</a:t>
+            </a:r>
+            <a:r>
+              <a:rPr lang="en-US" altLang="zh-CN"/>
+              <a:t>ui</a:t>
+            </a:r>
+            <a:r>
+              <a:rPr lang="zh-CN" altLang="en-US"/>
+              <a:t>上从创建</a:t>
+            </a:r>
+            <a:r>
+              <a:rPr lang="en-US" altLang="zh-CN"/>
+              <a:t>member</a:t>
+            </a:r>
+            <a:r>
+              <a:rPr lang="zh-CN" altLang="en-US"/>
+              <a:t>到登录进行广告设置，并且打出</a:t>
+            </a:r>
+            <a:r>
+              <a:rPr lang="zh-CN" altLang="en-US"/>
+              <a:t>广告）。</a:t>
+            </a:r>
+            <a:endParaRPr lang="zh-CN" altLang="en-US"/>
+          </a:p>
+          <a:p>
+            <a:endParaRPr lang="zh-CN" altLang="en-US"/>
+          </a:p>
+          <a:p>
+            <a:r>
+              <a:rPr lang="zh-CN" altLang="en-US"/>
+              <a:t>感恩事一个永恒的话题。来到公司这个大家庭，是公司把我一步一步培养起来的，诚挚的感谢公司领导对我们这种新进员工的栽培和殷切关爱，再次献上我对公司的深深谢意，预祝我们这个大家庭的明天会更好！</a:t>
+            </a:r>
             <a:endParaRPr lang="zh-CN" altLang="en-US"/>
           </a:p>
           <a:p>
@@ -9864,7 +9960,7 @@
         <p:spPr>
           <a:xfrm>
             <a:off x="1036320" y="1213485"/>
-            <a:ext cx="9968230" cy="5077460"/>
+            <a:ext cx="9968230" cy="7293610"/>
           </a:xfrm>
           <a:prstGeom prst="rect">
             <a:avLst/>
@@ -9905,6 +10001,18 @@
             </a:endParaRPr>
           </a:p>
           <a:p>
+            <a:r>
+              <a:rPr lang="en-US" altLang="zh-CN"/>
+              <a:t>	</a:t>
+            </a:r>
+            <a:r>
+              <a:rPr lang="zh-CN" altLang="en-US"/>
+              <a:t>这三个月来我学到了很多，感悟了很多。看到公司的朝气蓬勃，我深深地感到开心，也更加迫切的希望以一名正式员工的身份在这里工作，实现自己奋斗的目标，体现自己的人生价值，和公司一起成长。我会用谦虚的态度和饱满的热情做好我的本职工作，为公司创造价值，同公司一起展望美好的未来。我认为今后我一定能够积极、主动、熟练的完成自己的工作，在工作中能够发现问题，并积极全面的配合公司的要求来展开工作，与同事能够更好的配合与协调。在以后的工作中，我会一如既往，对人：与人为善，对工作：力求完美，不断的提升自己的水平以及综合素质，为公司的发展尽自己的一份力量。转正不是意味着待遇上会更好一些，更重要的是，从此刻起自己已经是世速科技的一名正式员工，在工作上必须对自己要求更加严格，尽自己的所能为公司作出贡献，同时也为自身谋求一个更大的</a:t>
+            </a:r>
+            <a:r>
+              <a:rPr lang="zh-CN" altLang="en-US"/>
+              <a:t>进步。</a:t>
+            </a:r>
             <a:endParaRPr lang="zh-CN" altLang="en-US"/>
           </a:p>
           <a:p>
@@ -12237,7 +12345,7 @@
         <p:spPr>
           <a:xfrm>
             <a:off x="900430" y="1391285"/>
-            <a:ext cx="9963150" cy="4799965"/>
+            <a:ext cx="9963150" cy="5908040"/>
           </a:xfrm>
           <a:prstGeom prst="rect">
             <a:avLst/>
@@ -12254,7 +12362,7 @@
               <a:rPr lang="zh-CN" altLang="en-US" b="1" dirty="0" smtClean="0">
                 <a:latin typeface="+mn-ea"/>
               </a:rPr>
-              <a:t>姓名：</a:t>
+              <a:t>姓名：周迪</a:t>
             </a:r>
             <a:endParaRPr lang="en-US" altLang="zh-CN" b="1" dirty="0" smtClean="0">
               <a:latin typeface="+mn-ea"/>
@@ -12272,6 +12380,42 @@
               </a:rPr>
               <a:t>入职时间：</a:t>
             </a:r>
+            <a:r>
+              <a:rPr lang="en-US" altLang="zh-CN" b="1" dirty="0" smtClean="0">
+                <a:latin typeface="+mn-ea"/>
+              </a:rPr>
+              <a:t>2020</a:t>
+            </a:r>
+            <a:r>
+              <a:rPr lang="zh-CN" altLang="en-US" b="1" dirty="0" smtClean="0">
+                <a:latin typeface="+mn-ea"/>
+              </a:rPr>
+              <a:t>年</a:t>
+            </a:r>
+            <a:r>
+              <a:rPr lang="en-US" altLang="zh-CN" b="1" dirty="0" smtClean="0">
+                <a:latin typeface="+mn-ea"/>
+              </a:rPr>
+              <a:t>12</a:t>
+            </a:r>
+            <a:r>
+              <a:rPr lang="zh-CN" altLang="en-US" b="1" dirty="0" smtClean="0">
+                <a:latin typeface="+mn-ea"/>
+              </a:rPr>
+              <a:t>月</a:t>
+            </a:r>
+            <a:r>
+              <a:rPr lang="en-US" altLang="zh-CN" b="1" dirty="0" smtClean="0">
+                <a:latin typeface="+mn-ea"/>
+              </a:rPr>
+              <a:t>24</a:t>
+            </a:r>
+            <a:r>
+              <a:rPr lang="zh-CN" altLang="en-US" b="1" dirty="0" smtClean="0">
+                <a:latin typeface="+mn-ea"/>
+              </a:rPr>
+              <a:t>日</a:t>
+            </a:r>
             <a:endParaRPr lang="en-US" altLang="zh-CN" b="1" dirty="0" smtClean="0">
               <a:latin typeface="+mn-ea"/>
             </a:endParaRPr>
@@ -12288,6 +12432,30 @@
               </a:rPr>
               <a:t>所在部门及岗位：</a:t>
             </a:r>
+            <a:r>
+              <a:rPr lang="en-US" altLang="zh-CN" b="1" dirty="0" smtClean="0">
+                <a:latin typeface="+mn-ea"/>
+              </a:rPr>
+              <a:t>A</a:t>
+            </a:r>
+            <a:r>
+              <a:rPr lang="zh-CN" altLang="en-US" b="1" dirty="0" smtClean="0">
+                <a:latin typeface="+mn-ea"/>
+              </a:rPr>
+              <a:t>组</a:t>
+            </a:r>
+            <a:r>
+              <a:rPr lang="en-US" altLang="zh-CN" b="1" dirty="0" smtClean="0">
+                <a:latin typeface="+mn-ea"/>
+              </a:rPr>
+              <a:t>web</a:t>
+            </a:r>
+            <a:r>
+              <a:rPr lang="zh-CN" altLang="en-US" b="1" dirty="0" smtClean="0">
+                <a:latin typeface="+mn-ea"/>
+              </a:rPr>
+              <a:t>前端开发</a:t>
+            </a:r>
             <a:endParaRPr lang="en-US" altLang="zh-CN" b="1" dirty="0" smtClean="0">
               <a:latin typeface="+mn-ea"/>
             </a:endParaRPr>
@@ -12309,9 +12477,131 @@
             </a:endParaRPr>
           </a:p>
           <a:p>
+            <a:r>
+              <a:rPr lang="en-US" altLang="zh-CN" dirty="0">
+                <a:latin typeface="+mn-ea"/>
+                <a:cs typeface="+mn-ea"/>
+              </a:rPr>
+              <a:t>1.web</a:t>
+            </a:r>
+            <a:r>
+              <a:rPr lang="zh-CN" altLang="en-US" dirty="0">
+                <a:latin typeface="+mn-ea"/>
+                <a:cs typeface="+mn-ea"/>
+              </a:rPr>
+              <a:t>前端页面制作，负责制作前端页面。</a:t>
+            </a:r>
             <a:endParaRPr lang="zh-CN" altLang="en-US" dirty="0">
-              <a:latin typeface="黑体" panose="02010609060101010101" charset="-122"/>
-              <a:ea typeface="黑体" panose="02010609060101010101" charset="-122"/>
+              <a:latin typeface="+mn-ea"/>
+              <a:cs typeface="+mn-ea"/>
+            </a:endParaRPr>
+          </a:p>
+          <a:p>
+            <a:r>
+              <a:rPr lang="en-US" altLang="zh-CN" dirty="0">
+                <a:latin typeface="+mn-ea"/>
+                <a:cs typeface="+mn-ea"/>
+              </a:rPr>
+              <a:t>2.</a:t>
+            </a:r>
+            <a:r>
+              <a:rPr lang="zh-CN" altLang="en-US" dirty="0">
+                <a:latin typeface="+mn-ea"/>
+                <a:cs typeface="+mn-ea"/>
+              </a:rPr>
+              <a:t>跟后端开发人员协调，梳理业务逻辑，完成页面功能开发。</a:t>
+            </a:r>
+            <a:endParaRPr lang="zh-CN" altLang="en-US" dirty="0">
+              <a:latin typeface="+mn-ea"/>
+              <a:cs typeface="+mn-ea"/>
+            </a:endParaRPr>
+          </a:p>
+          <a:p>
+            <a:r>
+              <a:rPr lang="en-US" altLang="zh-CN" dirty="0">
+                <a:latin typeface="+mn-ea"/>
+                <a:cs typeface="+mn-ea"/>
+              </a:rPr>
+              <a:t>3.</a:t>
+            </a:r>
+            <a:r>
+              <a:rPr lang="zh-CN" altLang="en-US" dirty="0">
+                <a:latin typeface="+mn-ea"/>
+                <a:cs typeface="+mn-ea"/>
+              </a:rPr>
+              <a:t>高质高效实现产品设计的页面和交互。</a:t>
+            </a:r>
+            <a:endParaRPr lang="zh-CN" altLang="en-US" dirty="0">
+              <a:latin typeface="+mn-ea"/>
+              <a:cs typeface="+mn-ea"/>
+            </a:endParaRPr>
+          </a:p>
+          <a:p>
+            <a:r>
+              <a:rPr lang="en-US" altLang="zh-CN" dirty="0">
+                <a:latin typeface="+mn-ea"/>
+                <a:cs typeface="+mn-ea"/>
+              </a:rPr>
+              <a:t>4.</a:t>
+            </a:r>
+            <a:r>
+              <a:rPr lang="zh-CN" altLang="en-US" dirty="0">
+                <a:latin typeface="+mn-ea"/>
+                <a:cs typeface="+mn-ea"/>
+              </a:rPr>
+              <a:t>负责前端</a:t>
+            </a:r>
+            <a:r>
+              <a:rPr lang="en-US" altLang="zh-CN" dirty="0">
+                <a:latin typeface="+mn-ea"/>
+                <a:cs typeface="+mn-ea"/>
+              </a:rPr>
+              <a:t>node</a:t>
+            </a:r>
+            <a:r>
+              <a:rPr lang="zh-CN" altLang="en-US" dirty="0">
+                <a:latin typeface="+mn-ea"/>
+                <a:cs typeface="+mn-ea"/>
+              </a:rPr>
+              <a:t>项目的部署与</a:t>
+            </a:r>
+            <a:r>
+              <a:rPr lang="zh-CN" altLang="en-US" dirty="0">
+                <a:latin typeface="+mn-ea"/>
+                <a:cs typeface="+mn-ea"/>
+              </a:rPr>
+              <a:t>维护。</a:t>
+            </a:r>
+            <a:endParaRPr lang="zh-CN" altLang="en-US" dirty="0">
+              <a:latin typeface="+mn-ea"/>
+              <a:cs typeface="+mn-ea"/>
+            </a:endParaRPr>
+          </a:p>
+          <a:p>
+            <a:r>
+              <a:rPr lang="en-US" altLang="zh-CN" dirty="0">
+                <a:latin typeface="+mn-ea"/>
+                <a:cs typeface="+mn-ea"/>
+              </a:rPr>
+              <a:t>5.</a:t>
+            </a:r>
+            <a:r>
+              <a:rPr lang="zh-CN" altLang="en-US" dirty="0">
+                <a:latin typeface="+mn-ea"/>
+                <a:cs typeface="+mn-ea"/>
+              </a:rPr>
+              <a:t>提升产品的前端性能和开发</a:t>
+            </a:r>
+            <a:r>
+              <a:rPr lang="zh-CN" altLang="en-US" dirty="0">
+                <a:latin typeface="+mn-ea"/>
+                <a:cs typeface="+mn-ea"/>
+              </a:rPr>
+              <a:t>效率。</a:t>
+            </a:r>
+            <a:endParaRPr lang="zh-CN" altLang="en-US" dirty="0">
+              <a:latin typeface="+mn-ea"/>
+              <a:cs typeface="+mn-ea"/>
             </a:endParaRPr>
           </a:p>
           <a:p>
@@ -12506,45 +12796,309 @@
             <a:endParaRPr lang="zh-CN" altLang="en-US" b="1"/>
           </a:p>
           <a:p>
+            <a:r>
+              <a:rPr lang="en-US" altLang="zh-CN"/>
+              <a:t>1.</a:t>
+            </a:r>
+            <a:r>
+              <a:rPr lang="zh-CN" altLang="en-US"/>
+              <a:t>熟悉了公司业务和相关工作制度。能够严格遵守公司的各项规章制度，积极完成上级安排的</a:t>
+            </a:r>
+            <a:r>
+              <a:rPr lang="zh-CN" altLang="en-US"/>
+              <a:t>工作。</a:t>
+            </a:r>
             <a:endParaRPr lang="zh-CN" altLang="en-US"/>
           </a:p>
           <a:p>
+            <a:r>
+              <a:rPr lang="en-US" altLang="zh-CN"/>
+              <a:t>2.</a:t>
+            </a:r>
+            <a:r>
+              <a:rPr lang="zh-CN" altLang="en-US"/>
+              <a:t>熟悉了</a:t>
+            </a:r>
+            <a:r>
+              <a:rPr lang="en-US" altLang="zh-CN"/>
+              <a:t>docker</a:t>
+            </a:r>
+            <a:r>
+              <a:rPr lang="zh-CN" altLang="en-US"/>
+              <a:t>以及</a:t>
+            </a:r>
+            <a:r>
+              <a:rPr lang="en-US" altLang="zh-CN"/>
+              <a:t>linux</a:t>
+            </a:r>
+            <a:r>
+              <a:rPr lang="zh-CN" altLang="en-US"/>
+              <a:t>系统的相关操作。能够熟练运用</a:t>
+            </a:r>
+            <a:r>
+              <a:rPr lang="en-US" altLang="zh-CN"/>
+              <a:t>docker</a:t>
+            </a:r>
+            <a:r>
+              <a:rPr lang="zh-CN" altLang="en-US"/>
+              <a:t>和</a:t>
+            </a:r>
+            <a:r>
+              <a:rPr lang="en-US" altLang="zh-CN"/>
+              <a:t>linux</a:t>
+            </a:r>
+            <a:r>
+              <a:rPr lang="zh-CN" altLang="en-US"/>
+              <a:t>的命令</a:t>
+            </a:r>
+            <a:r>
+              <a:rPr lang="zh-CN" altLang="en-US"/>
+              <a:t>快速部署前端的</a:t>
+            </a:r>
+            <a:r>
+              <a:rPr lang="en-US" altLang="zh-CN"/>
+              <a:t>node</a:t>
+            </a:r>
+            <a:r>
+              <a:rPr lang="zh-CN" altLang="en-US"/>
+              <a:t>服务。</a:t>
+            </a:r>
             <a:endParaRPr lang="zh-CN" altLang="en-US"/>
           </a:p>
           <a:p>
+            <a:r>
+              <a:rPr lang="en-US" altLang="zh-CN"/>
+              <a:t>3.</a:t>
+            </a:r>
+            <a:r>
+              <a:rPr lang="zh-CN" altLang="en-US"/>
+              <a:t>熟悉的公司前端的</a:t>
+            </a:r>
+            <a:r>
+              <a:rPr lang="en-US" altLang="zh-CN"/>
+              <a:t>node</a:t>
+            </a:r>
+            <a:r>
+              <a:rPr lang="zh-CN" altLang="en-US"/>
+              <a:t>服务。截至到目前为止，上线前所需要的</a:t>
+            </a:r>
+            <a:r>
+              <a:rPr lang="en-US" altLang="zh-CN"/>
+              <a:t>node</a:t>
+            </a:r>
+            <a:r>
+              <a:rPr lang="zh-CN" altLang="en-US"/>
+              <a:t>服务（</a:t>
+            </a:r>
+            <a:r>
+              <a:rPr lang="en-US" altLang="zh-CN"/>
+              <a:t>console-session</a:t>
+            </a:r>
+            <a:r>
+              <a:rPr lang="zh-CN" altLang="en-US"/>
+              <a:t>、</a:t>
+            </a:r>
+            <a:r>
+              <a:rPr lang="en-US" altLang="zh-CN"/>
+              <a:t>console-config</a:t>
+            </a:r>
+            <a:r>
+              <a:rPr lang="zh-CN" altLang="en-US"/>
+              <a:t>、</a:t>
+            </a:r>
+            <a:r>
+              <a:rPr lang="en-US" altLang="zh-CN"/>
+              <a:t>console-style</a:t>
+            </a:r>
+            <a:r>
+              <a:rPr lang="zh-CN" altLang="en-US"/>
+              <a:t>、</a:t>
+            </a:r>
+            <a:r>
+              <a:rPr lang="en-US" altLang="zh-CN"/>
+              <a:t>console-nav</a:t>
+            </a:r>
+            <a:r>
+              <a:rPr lang="zh-CN" altLang="en-US"/>
+              <a:t>、</a:t>
+            </a:r>
+            <a:r>
+              <a:rPr lang="en-US" altLang="zh-CN"/>
+              <a:t>creative-preview</a:t>
+            </a:r>
+            <a:r>
+              <a:rPr lang="zh-CN" altLang="en-US"/>
+              <a:t>、</a:t>
+            </a:r>
+            <a:r>
+              <a:rPr lang="en-US" altLang="zh-CN"/>
+              <a:t>anxious</a:t>
+            </a:r>
+            <a:r>
+              <a:rPr lang="zh-CN" altLang="en-US"/>
+              <a:t>、</a:t>
+            </a:r>
+            <a:r>
+              <a:rPr lang="en-US" altLang="zh-CN"/>
+              <a:t>core-ui-service</a:t>
+            </a:r>
+            <a:r>
+              <a:rPr lang="zh-CN" altLang="en-US"/>
+              <a:t>、</a:t>
+            </a:r>
+            <a:r>
+              <a:rPr lang="en-US" altLang="zh-CN"/>
+              <a:t>key-value-api</a:t>
+            </a:r>
+            <a:r>
+              <a:rPr lang="zh-CN" altLang="en-US"/>
+              <a:t>、</a:t>
+            </a:r>
+            <a:r>
+              <a:rPr lang="en-US" altLang="zh-CN"/>
+              <a:t>buyside-ui</a:t>
+            </a:r>
+            <a:r>
+              <a:rPr lang="zh-CN" altLang="en-US"/>
+              <a:t>、</a:t>
+            </a:r>
+            <a:r>
+              <a:rPr lang="en-US" altLang="zh-CN"/>
+              <a:t>authentication-ui</a:t>
+            </a:r>
+            <a:r>
+              <a:rPr lang="zh-CN" altLang="en-US"/>
+              <a:t>、</a:t>
+            </a:r>
+            <a:r>
+              <a:rPr lang="en-US" altLang="zh-CN"/>
+              <a:t>resin-ui-server</a:t>
+            </a:r>
+            <a:r>
+              <a:rPr lang="zh-CN" altLang="en-US"/>
+              <a:t>）我已全部都看了一遍。能够知道项目出现问题时，问题出现在哪里，快速解决</a:t>
+            </a:r>
+            <a:r>
+              <a:rPr lang="zh-CN" altLang="en-US"/>
+              <a:t>问题。</a:t>
+            </a:r>
             <a:endParaRPr lang="zh-CN" altLang="en-US"/>
           </a:p>
           <a:p>
+            <a:r>
+              <a:rPr lang="en-US" altLang="zh-CN"/>
+              <a:t>4.</a:t>
+            </a:r>
+            <a:r>
+              <a:rPr lang="zh-CN" altLang="en-US"/>
+              <a:t>参与了</a:t>
+            </a:r>
+            <a:r>
+              <a:rPr lang="en-US" altLang="zh-CN"/>
+              <a:t>app_exchange</a:t>
+            </a:r>
+            <a:r>
+              <a:rPr lang="zh-CN" altLang="en-US"/>
+              <a:t>初版后期的开发，解决</a:t>
+            </a:r>
+            <a:r>
+              <a:rPr lang="en-US" altLang="zh-CN"/>
+              <a:t>ui</a:t>
+            </a:r>
+            <a:r>
+              <a:rPr lang="zh-CN" altLang="en-US"/>
+              <a:t>界面上的</a:t>
+            </a:r>
+            <a:r>
+              <a:rPr lang="en-US" altLang="zh-CN"/>
+              <a:t>bug</a:t>
+            </a:r>
+            <a:r>
+              <a:rPr lang="zh-CN" altLang="en-US"/>
+              <a:t>以及相关样式</a:t>
+            </a:r>
+            <a:r>
+              <a:rPr lang="zh-CN" altLang="en-US"/>
+              <a:t>问题。</a:t>
+            </a:r>
             <a:endParaRPr lang="zh-CN" altLang="en-US"/>
           </a:p>
           <a:p>
+            <a:r>
+              <a:rPr lang="en-US" altLang="zh-CN"/>
+              <a:t>5.</a:t>
+            </a:r>
+            <a:r>
+              <a:rPr lang="zh-CN" altLang="en-US"/>
+              <a:t>参与了</a:t>
+            </a:r>
+            <a:r>
+              <a:rPr lang="en-US" altLang="zh-CN"/>
+              <a:t>app_exchange</a:t>
+            </a:r>
+            <a:r>
+              <a:rPr lang="zh-CN" altLang="en-US"/>
+              <a:t>新版的开发，完善</a:t>
+            </a:r>
+            <a:r>
+              <a:rPr lang="en-US" altLang="zh-CN"/>
+              <a:t>ui</a:t>
+            </a:r>
+            <a:r>
+              <a:rPr lang="zh-CN" altLang="en-US"/>
+              <a:t>界面以及功能，能够正常进行广告设置，并在手机上打出</a:t>
+            </a:r>
+            <a:r>
+              <a:rPr lang="zh-CN" altLang="en-US"/>
+              <a:t>广告。</a:t>
+            </a:r>
             <a:endParaRPr lang="zh-CN" altLang="en-US"/>
           </a:p>
           <a:p>
-            <a:endParaRPr lang="zh-CN" altLang="en-US"/>
-          </a:p>
-          <a:p>
-            <a:endParaRPr lang="zh-CN" altLang="en-US"/>
-          </a:p>
-          <a:p>
-            <a:endParaRPr lang="zh-CN" altLang="en-US"/>
-          </a:p>
-          <a:p>
-            <a:endParaRPr lang="zh-CN" altLang="en-US"/>
-          </a:p>
-          <a:p>
-            <a:endParaRPr lang="zh-CN" altLang="en-US"/>
-          </a:p>
-          <a:p>
-            <a:endParaRPr lang="zh-CN" altLang="en-US"/>
-          </a:p>
-          <a:p>
-            <a:endParaRPr lang="zh-CN" altLang="en-US"/>
-          </a:p>
-          <a:p>
-            <a:endParaRPr lang="zh-CN" altLang="en-US"/>
-          </a:p>
-          <a:p>
+            <a:r>
+              <a:rPr lang="en-US" altLang="zh-CN"/>
+              <a:t>6.adme</a:t>
+            </a:r>
+            <a:r>
+              <a:rPr lang="zh-CN" altLang="en-US"/>
+              <a:t>、</a:t>
+            </a:r>
+            <a:r>
+              <a:rPr lang="en-US" altLang="zh-CN"/>
+              <a:t>test</a:t>
+            </a:r>
+            <a:r>
+              <a:rPr lang="zh-CN" altLang="en-US"/>
+              <a:t>、</a:t>
+            </a:r>
+            <a:r>
+              <a:rPr lang="en-US" altLang="zh-CN"/>
+              <a:t>admobilex</a:t>
+            </a:r>
+            <a:r>
+              <a:rPr lang="zh-CN" altLang="en-US"/>
+              <a:t>的测试联调，快速部署前端</a:t>
+            </a:r>
+            <a:r>
+              <a:rPr lang="en-US" altLang="zh-CN"/>
+              <a:t>node</a:t>
+            </a:r>
+            <a:r>
+              <a:rPr lang="zh-CN" altLang="en-US"/>
+              <a:t>服务，同其他人员进行联调测试，解决所遇到的问题，并且保证</a:t>
+            </a:r>
+            <a:r>
+              <a:rPr lang="en-US" altLang="zh-CN"/>
+              <a:t>ui</a:t>
+            </a:r>
+            <a:r>
+              <a:rPr lang="zh-CN" altLang="en-US"/>
+              <a:t>界面正常，功能不出错。提高了与其他人员的协调性，提高团队的</a:t>
+            </a:r>
+            <a:r>
+              <a:rPr lang="zh-CN" altLang="en-US"/>
+              <a:t>凝聚力。</a:t>
+            </a:r>
             <a:endParaRPr lang="zh-CN" altLang="en-US"/>
           </a:p>
           <a:p>
@@ -12632,15 +13186,47 @@
             <a:endParaRPr lang="en-US" altLang="zh-CN" b="1"/>
           </a:p>
           <a:p>
-            <a:endParaRPr lang="en-US" altLang="zh-CN" b="1"/>
-          </a:p>
-          <a:p>
-            <a:endParaRPr lang="en-US" altLang="zh-CN" b="1"/>
-          </a:p>
-          <a:p>
-            <a:endParaRPr lang="en-US" altLang="zh-CN" b="1"/>
-          </a:p>
-          <a:p>
+            <a:r>
+              <a:rPr lang="en-US" altLang="zh-CN" b="1"/>
+              <a:t>1.</a:t>
+            </a:r>
+            <a:r>
+              <a:rPr lang="zh-CN" altLang="en-US" b="1"/>
+              <a:t>能够积极、快速的完成领导安排的工作。</a:t>
+            </a:r>
+            <a:endParaRPr lang="zh-CN" altLang="en-US" b="1"/>
+          </a:p>
+          <a:p>
+            <a:r>
+              <a:rPr lang="en-US" altLang="zh-CN" b="1"/>
+              <a:t>2.</a:t>
+            </a:r>
+            <a:r>
+              <a:rPr lang="zh-CN" altLang="en-US" b="1"/>
+              <a:t>在不是特别忙的时候，能够帮助同事解决问题。</a:t>
+            </a:r>
+            <a:endParaRPr lang="zh-CN" altLang="en-US" b="1"/>
+          </a:p>
+          <a:p>
+            <a:r>
+              <a:rPr lang="en-US" altLang="zh-CN" b="1"/>
+              <a:t>3.</a:t>
+            </a:r>
+            <a:r>
+              <a:rPr lang="zh-CN" altLang="en-US" b="1"/>
+              <a:t>有比较强的学习能力，能够快速学习一门新的技术。</a:t>
+            </a:r>
+            <a:endParaRPr lang="zh-CN" altLang="en-US" b="1"/>
+          </a:p>
+          <a:p>
+            <a:r>
+              <a:rPr lang="en-US" altLang="zh-CN" b="1"/>
+              <a:t>4.</a:t>
+            </a:r>
+            <a:r>
+              <a:rPr lang="zh-CN" altLang="en-US" b="1"/>
+              <a:t>遇到不懂得问题，能够虚心请教同事。</a:t>
+            </a:r>
             <a:endParaRPr lang="en-US" altLang="zh-CN" b="1"/>
           </a:p>
           <a:p>
@@ -12654,18 +13240,55 @@
             <a:endParaRPr lang="zh-CN" altLang="en-US" b="1"/>
           </a:p>
           <a:p>
+            <a:r>
+              <a:rPr lang="en-US" altLang="zh-CN" b="1"/>
+              <a:t>1.</a:t>
+            </a:r>
+            <a:r>
+              <a:rPr lang="zh-CN" altLang="en-US" b="1"/>
+              <a:t>遇到自己不回的问题，会想办法自己解决。想得比较久的话，会比较拖延工作的效率。</a:t>
+            </a:r>
             <a:endParaRPr lang="zh-CN" altLang="en-US" b="1"/>
           </a:p>
           <a:p>
+            <a:r>
+              <a:rPr lang="en-US" altLang="zh-CN" b="1"/>
+              <a:t>2.</a:t>
+            </a:r>
+            <a:r>
+              <a:rPr lang="zh-CN" altLang="en-US" b="1"/>
+              <a:t>责任心还得继续加强，联调过程中，即使不是自己的问题，也应该积极跟进问题，解决</a:t>
+            </a:r>
+            <a:r>
+              <a:rPr lang="zh-CN" altLang="en-US" b="1"/>
+              <a:t>问题。</a:t>
+            </a:r>
             <a:endParaRPr lang="zh-CN" altLang="en-US" b="1"/>
           </a:p>
           <a:p>
+            <a:r>
+              <a:rPr lang="en-US" altLang="zh-CN" b="1"/>
+              <a:t>3.</a:t>
+            </a:r>
+            <a:r>
+              <a:rPr lang="zh-CN" altLang="en-US" b="1"/>
+              <a:t>自己的技术栈还是比较短的。需要在不打扰到同事工作的情况下，虚心请教他们问题，学习新的</a:t>
+            </a:r>
+            <a:r>
+              <a:rPr lang="zh-CN" altLang="en-US" b="1"/>
+              <a:t>知识。</a:t>
+            </a:r>
             <a:endParaRPr lang="zh-CN" altLang="en-US" b="1"/>
           </a:p>
           <a:p>
-            <a:endParaRPr lang="zh-CN" altLang="en-US" b="1"/>
-          </a:p>
-          <a:p>
+            <a:r>
+              <a:rPr lang="zh-CN" altLang="en-US" b="1"/>
+              <a:t>在工作中能够不断充实自己，不断</a:t>
+            </a:r>
+            <a:r>
+              <a:rPr lang="zh-CN" altLang="en-US" b="1"/>
+              <a:t>进步。</a:t>
+            </a:r>
             <a:endParaRPr lang="zh-CN" altLang="en-US" b="1"/>
           </a:p>
           <a:p>
@@ -12675,6 +13298,13 @@
             <a:r>
               <a:rPr lang="zh-CN" altLang="en-US" b="1"/>
               <a:t>四、其他（团队建议或者改善点）</a:t>
+            </a:r>
+            <a:endParaRPr lang="zh-CN" altLang="en-US" b="1"/>
+          </a:p>
+          <a:p>
+            <a:r>
+              <a:rPr lang="zh-CN" altLang="en-US" b="1"/>
+              <a:t>大家对于自己负责的服务都很熟，希望能够互相讲解，增加我们的熟悉程度，增加团队的凝聚力。</a:t>
             </a:r>
             <a:endParaRPr lang="en-US" altLang="zh-CN" b="1"/>
           </a:p>
@@ -12800,7 +13430,7 @@
         <p:spPr>
           <a:xfrm>
             <a:off x="1065530" y="1114425"/>
-            <a:ext cx="9526905" cy="5077460"/>
+            <a:ext cx="9526905" cy="5908040"/>
           </a:xfrm>
           <a:prstGeom prst="rect">
             <a:avLst/>
@@ -12824,7 +13454,15 @@
           <a:p>
             <a:r>
               <a:rPr lang="zh-CN" altLang="en-US" b="1"/>
-              <a:t>等级：       （</a:t>
+              <a:t>等级：   </a:t>
+            </a:r>
+            <a:r>
+              <a:rPr lang="en-US" altLang="zh-CN" b="1"/>
+              <a:t>B</a:t>
+            </a:r>
+            <a:r>
+              <a:rPr lang="zh-CN" altLang="en-US" b="1"/>
+              <a:t>   （</a:t>
             </a:r>
             <a:r>
               <a:rPr lang="en-US" altLang="zh-CN" b="1"/>
@@ -12847,6 +13485,14 @@
             <a:endParaRPr lang="zh-CN" altLang="en-US" b="1"/>
           </a:p>
           <a:p>
+            <a:r>
+              <a:rPr lang="zh-CN" altLang="en-US" b="1"/>
+              <a:t>三个月的试用期以来，表现只能是中规中矩，也不能说太好。能够积极完成领导下达的任务。对工作负有责任心，但是感觉还是能够做得更好。与同事之间的配合与协调也还算</a:t>
+            </a:r>
+            <a:r>
+              <a:rPr lang="zh-CN" altLang="en-US" b="1"/>
+              <a:t>不错。</a:t>
+            </a:r>
             <a:endParaRPr lang="zh-CN" altLang="en-US" b="1"/>
           </a:p>
           <a:p>
@@ -12860,6 +13506,10 @@
             <a:endParaRPr lang="zh-CN" altLang="en-US" b="1"/>
           </a:p>
           <a:p>
+            <a:r>
+              <a:rPr lang="zh-CN" altLang="en-US" b="1"/>
+              <a:t>为人友善，对于自己份内的工作，能够准时完成。积极服从上级领导的安排，学习能力强。</a:t>
+            </a:r>
             <a:endParaRPr lang="zh-CN" altLang="en-US" b="1"/>
           </a:p>
           <a:p>
@@ -12873,6 +13523,14 @@
             <a:endParaRPr lang="zh-CN" altLang="en-US" b="1"/>
           </a:p>
           <a:p>
+            <a:r>
+              <a:rPr lang="zh-CN" altLang="en-US" b="1"/>
+              <a:t>性格比较内向或者说是害羞，一般得别人主动才能够放开自己的内心。遇到自己不会的问题，会比较</a:t>
+            </a:r>
+            <a:r>
+              <a:rPr lang="zh-CN" altLang="en-US" b="1"/>
+              <a:t>急躁。</a:t>
+            </a:r>
             <a:endParaRPr lang="zh-CN" altLang="en-US" b="1"/>
           </a:p>
           <a:p>
@@ -12886,10 +13544,15 @@
             <a:endParaRPr lang="zh-CN" altLang="en-US" b="1"/>
           </a:p>
           <a:p>
-            <a:endParaRPr lang="zh-CN" altLang="en-US"/>
-          </a:p>
-          <a:p>
-            <a:endParaRPr lang="zh-CN" altLang="en-US"/>
+            <a:r>
+              <a:rPr lang="zh-CN" altLang="en-US" b="1"/>
+              <a:t>积极完成领导下达的任务。尽快做完自己的工作，积极配合同事进行联调。为人正直、诚信度高。处事积极、果断，有较强的抗压能力，有强烈的进取心和高度的责任感。脚踏实地</a:t>
+            </a:r>
+            <a:r>
+              <a:rPr lang="zh-CN" altLang="en-US" b="1"/>
+              <a:t>工作。</a:t>
+            </a:r>
+            <a:endParaRPr lang="zh-CN" altLang="en-US" b="1"/>
           </a:p>
           <a:p>
             <a:endParaRPr lang="zh-CN" altLang="en-US"/>
